--- a/Compte rendu/Convertisseur de base.pptx
+++ b/Compte rendu/Convertisseur de base.pptx
@@ -326,7 +326,7 @@
           <a:p>
             <a:fld id="{F8FA99D4-3458-4FF2-9DD1-D6E19195F2E0}" type="datetimeFigureOut">
               <a:rPr lang="fr-FR" smtClean="0"/>
-              <a:t>09/10/2022</a:t>
+              <a:t>28/10/2022</a:t>
             </a:fld>
             <a:endParaRPr lang="fr-FR"/>
           </a:p>
@@ -518,7 +518,7 @@
           <a:p>
             <a:fld id="{F8FA99D4-3458-4FF2-9DD1-D6E19195F2E0}" type="datetimeFigureOut">
               <a:rPr lang="fr-FR" smtClean="0"/>
-              <a:t>09/10/2022</a:t>
+              <a:t>28/10/2022</a:t>
             </a:fld>
             <a:endParaRPr lang="fr-FR"/>
           </a:p>
@@ -698,7 +698,7 @@
           <a:p>
             <a:fld id="{F8FA99D4-3458-4FF2-9DD1-D6E19195F2E0}" type="datetimeFigureOut">
               <a:rPr lang="fr-FR" smtClean="0"/>
-              <a:t>09/10/2022</a:t>
+              <a:t>28/10/2022</a:t>
             </a:fld>
             <a:endParaRPr lang="fr-FR"/>
           </a:p>
@@ -868,7 +868,7 @@
           <a:p>
             <a:fld id="{F8FA99D4-3458-4FF2-9DD1-D6E19195F2E0}" type="datetimeFigureOut">
               <a:rPr lang="fr-FR" smtClean="0"/>
-              <a:t>09/10/2022</a:t>
+              <a:t>28/10/2022</a:t>
             </a:fld>
             <a:endParaRPr lang="fr-FR"/>
           </a:p>
@@ -1122,7 +1122,7 @@
           <a:p>
             <a:fld id="{F8FA99D4-3458-4FF2-9DD1-D6E19195F2E0}" type="datetimeFigureOut">
               <a:rPr lang="fr-FR" smtClean="0"/>
-              <a:t>09/10/2022</a:t>
+              <a:t>28/10/2022</a:t>
             </a:fld>
             <a:endParaRPr lang="fr-FR"/>
           </a:p>
@@ -1448,7 +1448,7 @@
           <a:p>
             <a:fld id="{F8FA99D4-3458-4FF2-9DD1-D6E19195F2E0}" type="datetimeFigureOut">
               <a:rPr lang="fr-FR" smtClean="0"/>
-              <a:t>09/10/2022</a:t>
+              <a:t>28/10/2022</a:t>
             </a:fld>
             <a:endParaRPr lang="fr-FR"/>
           </a:p>
@@ -1868,7 +1868,7 @@
           <a:p>
             <a:fld id="{F8FA99D4-3458-4FF2-9DD1-D6E19195F2E0}" type="datetimeFigureOut">
               <a:rPr lang="fr-FR" smtClean="0"/>
-              <a:t>09/10/2022</a:t>
+              <a:t>28/10/2022</a:t>
             </a:fld>
             <a:endParaRPr lang="fr-FR"/>
           </a:p>
@@ -1986,7 +1986,7 @@
           <a:p>
             <a:fld id="{F8FA99D4-3458-4FF2-9DD1-D6E19195F2E0}" type="datetimeFigureOut">
               <a:rPr lang="fr-FR" smtClean="0"/>
-              <a:t>09/10/2022</a:t>
+              <a:t>28/10/2022</a:t>
             </a:fld>
             <a:endParaRPr lang="fr-FR"/>
           </a:p>
@@ -2081,7 +2081,7 @@
           <a:p>
             <a:fld id="{F8FA99D4-3458-4FF2-9DD1-D6E19195F2E0}" type="datetimeFigureOut">
               <a:rPr lang="fr-FR" smtClean="0"/>
-              <a:t>09/10/2022</a:t>
+              <a:t>28/10/2022</a:t>
             </a:fld>
             <a:endParaRPr lang="fr-FR"/>
           </a:p>
@@ -2368,7 +2368,7 @@
           <a:p>
             <a:fld id="{F8FA99D4-3458-4FF2-9DD1-D6E19195F2E0}" type="datetimeFigureOut">
               <a:rPr lang="fr-FR" smtClean="0"/>
-              <a:t>09/10/2022</a:t>
+              <a:t>28/10/2022</a:t>
             </a:fld>
             <a:endParaRPr lang="fr-FR"/>
           </a:p>
@@ -2690,7 +2690,7 @@
           <a:p>
             <a:fld id="{F8FA99D4-3458-4FF2-9DD1-D6E19195F2E0}" type="datetimeFigureOut">
               <a:rPr lang="fr-FR" smtClean="0"/>
-              <a:t>09/10/2022</a:t>
+              <a:t>28/10/2022</a:t>
             </a:fld>
             <a:endParaRPr lang="fr-FR"/>
           </a:p>
@@ -2944,7 +2944,7 @@
           <a:p>
             <a:fld id="{F8FA99D4-3458-4FF2-9DD1-D6E19195F2E0}" type="datetimeFigureOut">
               <a:rPr lang="fr-FR" smtClean="0"/>
-              <a:t>09/10/2022</a:t>
+              <a:t>28/10/2022</a:t>
             </a:fld>
             <a:endParaRPr lang="fr-FR"/>
           </a:p>
@@ -6202,7 +6202,7 @@
                 <a:effectLst/>
                 <a:latin typeface="Consolas" panose="020B0609020204030204" pitchFamily="49" charset="0"/>
               </a:rPr>
-              <a:t> de conversion du </a:t>
+              <a:t> de conversion du 	</a:t>
             </a:r>
             <a:r>
               <a:rPr lang="fr-FR" sz="1200" b="0" dirty="0" err="1">
@@ -13490,7 +13490,19 @@
               <a:rPr lang="fr-FR" sz="1600" dirty="0">
                 <a:latin typeface="Consolas" panose="020B0609020204030204" pitchFamily="49" charset="0"/>
               </a:rPr>
-              <a:t> ce fait par la fonction val():</a:t>
+              <a:t> ce fait par la fonction </a:t>
+            </a:r>
+            <a:r>
+              <a:rPr lang="fr-FR" sz="1600" dirty="0" err="1">
+                <a:latin typeface="Consolas" panose="020B0609020204030204" pitchFamily="49" charset="0"/>
+              </a:rPr>
+              <a:t>reVal</a:t>
+            </a:r>
+            <a:r>
+              <a:rPr lang="fr-FR" sz="1600" dirty="0">
+                <a:latin typeface="Consolas" panose="020B0609020204030204" pitchFamily="49" charset="0"/>
+              </a:rPr>
+              <a:t>():</a:t>
             </a:r>
           </a:p>
           <a:p>
@@ -15350,7 +15362,7 @@
           <a:bodyPr/>
           <a:lstStyle/>
           <a:p>
-            <a:endParaRPr lang="fr-FR"/>
+            <a:endParaRPr lang="fr-FR" dirty="0"/>
           </a:p>
         </p:txBody>
       </p:sp>

--- a/Compte rendu/Convertisseur de base.pptx
+++ b/Compte rendu/Convertisseur de base.pptx
@@ -326,7 +326,7 @@
           <a:p>
             <a:fld id="{F8FA99D4-3458-4FF2-9DD1-D6E19195F2E0}" type="datetimeFigureOut">
               <a:rPr lang="fr-FR" smtClean="0"/>
-              <a:t>28/10/2022</a:t>
+              <a:t>30/10/2022</a:t>
             </a:fld>
             <a:endParaRPr lang="fr-FR"/>
           </a:p>
@@ -518,7 +518,7 @@
           <a:p>
             <a:fld id="{F8FA99D4-3458-4FF2-9DD1-D6E19195F2E0}" type="datetimeFigureOut">
               <a:rPr lang="fr-FR" smtClean="0"/>
-              <a:t>28/10/2022</a:t>
+              <a:t>30/10/2022</a:t>
             </a:fld>
             <a:endParaRPr lang="fr-FR"/>
           </a:p>
@@ -698,7 +698,7 @@
           <a:p>
             <a:fld id="{F8FA99D4-3458-4FF2-9DD1-D6E19195F2E0}" type="datetimeFigureOut">
               <a:rPr lang="fr-FR" smtClean="0"/>
-              <a:t>28/10/2022</a:t>
+              <a:t>30/10/2022</a:t>
             </a:fld>
             <a:endParaRPr lang="fr-FR"/>
           </a:p>
@@ -868,7 +868,7 @@
           <a:p>
             <a:fld id="{F8FA99D4-3458-4FF2-9DD1-D6E19195F2E0}" type="datetimeFigureOut">
               <a:rPr lang="fr-FR" smtClean="0"/>
-              <a:t>28/10/2022</a:t>
+              <a:t>30/10/2022</a:t>
             </a:fld>
             <a:endParaRPr lang="fr-FR"/>
           </a:p>
@@ -1122,7 +1122,7 @@
           <a:p>
             <a:fld id="{F8FA99D4-3458-4FF2-9DD1-D6E19195F2E0}" type="datetimeFigureOut">
               <a:rPr lang="fr-FR" smtClean="0"/>
-              <a:t>28/10/2022</a:t>
+              <a:t>30/10/2022</a:t>
             </a:fld>
             <a:endParaRPr lang="fr-FR"/>
           </a:p>
@@ -1448,7 +1448,7 @@
           <a:p>
             <a:fld id="{F8FA99D4-3458-4FF2-9DD1-D6E19195F2E0}" type="datetimeFigureOut">
               <a:rPr lang="fr-FR" smtClean="0"/>
-              <a:t>28/10/2022</a:t>
+              <a:t>30/10/2022</a:t>
             </a:fld>
             <a:endParaRPr lang="fr-FR"/>
           </a:p>
@@ -1868,7 +1868,7 @@
           <a:p>
             <a:fld id="{F8FA99D4-3458-4FF2-9DD1-D6E19195F2E0}" type="datetimeFigureOut">
               <a:rPr lang="fr-FR" smtClean="0"/>
-              <a:t>28/10/2022</a:t>
+              <a:t>30/10/2022</a:t>
             </a:fld>
             <a:endParaRPr lang="fr-FR"/>
           </a:p>
@@ -1986,7 +1986,7 @@
           <a:p>
             <a:fld id="{F8FA99D4-3458-4FF2-9DD1-D6E19195F2E0}" type="datetimeFigureOut">
               <a:rPr lang="fr-FR" smtClean="0"/>
-              <a:t>28/10/2022</a:t>
+              <a:t>30/10/2022</a:t>
             </a:fld>
             <a:endParaRPr lang="fr-FR"/>
           </a:p>
@@ -2081,7 +2081,7 @@
           <a:p>
             <a:fld id="{F8FA99D4-3458-4FF2-9DD1-D6E19195F2E0}" type="datetimeFigureOut">
               <a:rPr lang="fr-FR" smtClean="0"/>
-              <a:t>28/10/2022</a:t>
+              <a:t>30/10/2022</a:t>
             </a:fld>
             <a:endParaRPr lang="fr-FR"/>
           </a:p>
@@ -2368,7 +2368,7 @@
           <a:p>
             <a:fld id="{F8FA99D4-3458-4FF2-9DD1-D6E19195F2E0}" type="datetimeFigureOut">
               <a:rPr lang="fr-FR" smtClean="0"/>
-              <a:t>28/10/2022</a:t>
+              <a:t>30/10/2022</a:t>
             </a:fld>
             <a:endParaRPr lang="fr-FR"/>
           </a:p>
@@ -2690,7 +2690,7 @@
           <a:p>
             <a:fld id="{F8FA99D4-3458-4FF2-9DD1-D6E19195F2E0}" type="datetimeFigureOut">
               <a:rPr lang="fr-FR" smtClean="0"/>
-              <a:t>28/10/2022</a:t>
+              <a:t>30/10/2022</a:t>
             </a:fld>
             <a:endParaRPr lang="fr-FR"/>
           </a:p>
@@ -2944,7 +2944,7 @@
           <a:p>
             <a:fld id="{F8FA99D4-3458-4FF2-9DD1-D6E19195F2E0}" type="datetimeFigureOut">
               <a:rPr lang="fr-FR" smtClean="0"/>
-              <a:t>28/10/2022</a:t>
+              <a:t>30/10/2022</a:t>
             </a:fld>
             <a:endParaRPr lang="fr-FR"/>
           </a:p>
@@ -3581,8 +3581,15 @@
               </a:lnSpc>
             </a:pPr>
             <a:r>
+              <a:rPr lang="fr-FR" sz="1673" dirty="0">
+                <a:latin typeface="Consolas" panose="020B0609020204030204" pitchFamily="49" charset="0"/>
+                <a:cs typeface="Consolas" panose="020B0609020204030204" pitchFamily="49" charset="0"/>
+              </a:rPr>
+              <a:t>FAROUK</a:t>
+            </a:r>
+            <a:r>
               <a:rPr lang="fr-FR" sz="1673" dirty="0"/>
-              <a:t>FAROUK BEL KHYATE</a:t>
+              <a:t> BEL KHYATE</a:t>
             </a:r>
           </a:p>
           <a:p>
@@ -3698,8 +3705,8 @@
         </p:nvSpPr>
         <p:spPr>
           <a:xfrm>
-            <a:off x="444628" y="1323547"/>
-            <a:ext cx="5590394" cy="1543457"/>
+            <a:off x="118536" y="1760035"/>
+            <a:ext cx="6112926" cy="906200"/>
           </a:xfrm>
         </p:spPr>
         <p:txBody>
@@ -3709,34 +3716,22 @@
           <a:lstStyle/>
           <a:p>
             <a:r>
-              <a:rPr lang="fr-FR" sz="1452" dirty="0">
-                <a:latin typeface="Consolas" panose="020B0609020204030204" pitchFamily="49" charset="0"/>
-              </a:rPr>
-              <a:t>Conversion d’une base à une autre (2-10;5-6;7-4…)</a:t>
-            </a:r>
-          </a:p>
-          <a:p>
-            <a:r>
-              <a:rPr lang="fr-FR" sz="1452" dirty="0">
-                <a:latin typeface="Consolas" panose="020B0609020204030204" pitchFamily="49" charset="0"/>
-              </a:rPr>
-              <a:t>Valeur signée d’un nombre</a:t>
-            </a:r>
-          </a:p>
-          <a:p>
-            <a:r>
-              <a:rPr lang="fr-FR" sz="1452" dirty="0">
-                <a:latin typeface="Consolas" panose="020B0609020204030204" pitchFamily="49" charset="0"/>
-              </a:rPr>
-              <a:t>Complément à un</a:t>
-            </a:r>
-          </a:p>
-          <a:p>
-            <a:r>
-              <a:rPr lang="fr-FR" sz="1452" dirty="0">
-                <a:latin typeface="Consolas" panose="020B0609020204030204" pitchFamily="49" charset="0"/>
-              </a:rPr>
-              <a:t>Complément à deux</a:t>
+              <a:rPr lang="fr-FR" sz="1600" dirty="0">
+                <a:latin typeface="Consolas" panose="020B0609020204030204" pitchFamily="49" charset="0"/>
+              </a:rPr>
+              <a:t>Conversion d’une base à une autre (</a:t>
+            </a:r>
+            <a:r>
+              <a:rPr lang="fr-FR" sz="1800" dirty="0">
+                <a:latin typeface="Consolas" panose="020B0609020204030204" pitchFamily="49" charset="0"/>
+              </a:rPr>
+              <a:t>2-10;5-6;7-4</a:t>
+            </a:r>
+            <a:r>
+              <a:rPr lang="fr-FR" sz="1600" dirty="0">
+                <a:latin typeface="Consolas" panose="020B0609020204030204" pitchFamily="49" charset="0"/>
+              </a:rPr>
+              <a:t>…)</a:t>
             </a:r>
           </a:p>
         </p:txBody>
@@ -3772,8 +3767,8 @@
         </p:blipFill>
         <p:spPr>
           <a:xfrm>
-            <a:off x="741974" y="3627945"/>
-            <a:ext cx="1371008" cy="1371008"/>
+            <a:off x="553324" y="3119945"/>
+            <a:ext cx="1386410" cy="1386410"/>
           </a:xfrm>
           <a:prstGeom prst="rect">
             <a:avLst/>
@@ -3796,7 +3791,7 @@
         </p:nvCxnSpPr>
         <p:spPr>
           <a:xfrm>
-            <a:off x="2196439" y="4551804"/>
+            <a:off x="2007789" y="4043804"/>
             <a:ext cx="1316055" cy="0"/>
           </a:xfrm>
           <a:prstGeom prst="line">
@@ -3834,8 +3829,8 @@
         </p:nvCxnSpPr>
         <p:spPr>
           <a:xfrm>
-            <a:off x="3512494" y="4551804"/>
-            <a:ext cx="0" cy="886105"/>
+            <a:off x="3323844" y="4043804"/>
+            <a:ext cx="1" cy="896059"/>
           </a:xfrm>
           <a:prstGeom prst="straightConnector1">
             <a:avLst/>
@@ -3873,8 +3868,8 @@
         </p:nvSpPr>
         <p:spPr>
           <a:xfrm>
-            <a:off x="1612088" y="5551521"/>
-            <a:ext cx="2965982" cy="426341"/>
+            <a:off x="1423438" y="5043521"/>
+            <a:ext cx="2999298" cy="431130"/>
           </a:xfrm>
           <a:prstGeom prst="roundRect">
             <a:avLst/>
@@ -3922,8 +3917,8 @@
         </p:nvSpPr>
         <p:spPr>
           <a:xfrm>
-            <a:off x="768512" y="3396805"/>
-            <a:ext cx="1371008" cy="369332"/>
+            <a:off x="553324" y="2957435"/>
+            <a:ext cx="1386410" cy="373481"/>
           </a:xfrm>
           <a:prstGeom prst="rect">
             <a:avLst/>
@@ -3957,8 +3952,8 @@
         </p:nvSpPr>
         <p:spPr>
           <a:xfrm>
-            <a:off x="3650971" y="3866720"/>
-            <a:ext cx="2465055" cy="738664"/>
+            <a:off x="3462321" y="3358720"/>
+            <a:ext cx="2492747" cy="746962"/>
           </a:xfrm>
           <a:prstGeom prst="rect">
             <a:avLst/>
@@ -4004,8 +3999,8 @@
         </p:nvSpPr>
         <p:spPr>
           <a:xfrm>
-            <a:off x="1612088" y="7144919"/>
-            <a:ext cx="3255473" cy="369332"/>
+            <a:off x="1423438" y="6636918"/>
+            <a:ext cx="3292044" cy="373481"/>
           </a:xfrm>
           <a:prstGeom prst="rect">
             <a:avLst/>
@@ -4041,8 +4036,8 @@
         </p:nvCxnSpPr>
         <p:spPr>
           <a:xfrm>
-            <a:off x="3100004" y="6145161"/>
-            <a:ext cx="0" cy="884904"/>
+            <a:off x="2911354" y="5637161"/>
+            <a:ext cx="1" cy="894845"/>
           </a:xfrm>
           <a:prstGeom prst="straightConnector1">
             <a:avLst/>
@@ -4080,7 +4075,7 @@
         </p:nvSpPr>
         <p:spPr>
           <a:xfrm>
-            <a:off x="444629" y="416043"/>
+            <a:off x="444629" y="616443"/>
             <a:ext cx="4978900" cy="750629"/>
           </a:xfrm>
           <a:prstGeom prst="rect">
@@ -7333,43 +7328,19 @@
               <a:rPr lang="fr-FR" sz="1452" dirty="0">
                 <a:latin typeface="Consolas" panose="020B0609020204030204" pitchFamily="49" charset="0"/>
               </a:rPr>
-              <a:t>La fonction main() permet la saisie des variables (Nombre, base1, base2) et les entrer comme </a:t>
+              <a:t>La fonction main() permet la saisie des variables (Nombre, base1, base2) et les entrer comme paramètre dans la fonction </a:t>
             </a:r>
             <a:r>
               <a:rPr lang="fr-FR" sz="1452" dirty="0" err="1">
                 <a:latin typeface="Consolas" panose="020B0609020204030204" pitchFamily="49" charset="0"/>
               </a:rPr>
-              <a:t>parametre</a:t>
+              <a:t>deDeci</a:t>
             </a:r>
             <a:r>
               <a:rPr lang="fr-FR" sz="1452" dirty="0">
                 <a:latin typeface="Consolas" panose="020B0609020204030204" pitchFamily="49" charset="0"/>
               </a:rPr>
-              <a:t> dans la fonction </a:t>
-            </a:r>
-            <a:r>
-              <a:rPr lang="fr-FR" sz="1452" dirty="0" err="1">
-                <a:latin typeface="Consolas" panose="020B0609020204030204" pitchFamily="49" charset="0"/>
-              </a:rPr>
-              <a:t>deDeci</a:t>
-            </a:r>
-            <a:r>
-              <a:rPr lang="fr-FR" sz="1452" dirty="0">
-                <a:latin typeface="Consolas" panose="020B0609020204030204" pitchFamily="49" charset="0"/>
-              </a:rPr>
-              <a:t>() pour calculer le </a:t>
-            </a:r>
-            <a:r>
-              <a:rPr lang="fr-FR" sz="1452" dirty="0" err="1">
-                <a:latin typeface="Consolas" panose="020B0609020204030204" pitchFamily="49" charset="0"/>
-              </a:rPr>
-              <a:t>resultat</a:t>
-            </a:r>
-            <a:r>
-              <a:rPr lang="fr-FR" sz="1452" dirty="0">
-                <a:latin typeface="Consolas" panose="020B0609020204030204" pitchFamily="49" charset="0"/>
-              </a:rPr>
-              <a:t> et l’afficher.</a:t>
+              <a:t>() pour calculer le résultat et l’afficher.</a:t>
             </a:r>
           </a:p>
         </p:txBody>
@@ -9624,19 +9595,7 @@
               <a:rPr lang="fr-FR" sz="1452" dirty="0">
                 <a:latin typeface="Consolas" panose="020B0609020204030204" pitchFamily="49" charset="0"/>
               </a:rPr>
-              <a:t>La </a:t>
-            </a:r>
-            <a:r>
-              <a:rPr lang="fr-FR" sz="1452" dirty="0" err="1">
-                <a:latin typeface="Consolas" panose="020B0609020204030204" pitchFamily="49" charset="0"/>
-              </a:rPr>
-              <a:t>verification</a:t>
-            </a:r>
-            <a:r>
-              <a:rPr lang="fr-FR" sz="1452" dirty="0">
-                <a:latin typeface="Consolas" panose="020B0609020204030204" pitchFamily="49" charset="0"/>
-              </a:rPr>
-              <a:t> ce fait par la fonction val():</a:t>
+              <a:t>La vérification ce fait par la fonction val():</a:t>
             </a:r>
           </a:p>
           <a:p>
@@ -12153,31 +12112,7 @@
               <a:rPr lang="fr-FR" sz="1452" dirty="0">
                 <a:latin typeface="Consolas" panose="020B0609020204030204" pitchFamily="49" charset="0"/>
               </a:rPr>
-              <a:t>En divisons le nombre </a:t>
-            </a:r>
-            <a:r>
-              <a:rPr lang="fr-FR" sz="1452" dirty="0" err="1">
-                <a:latin typeface="Consolas" panose="020B0609020204030204" pitchFamily="49" charset="0"/>
-              </a:rPr>
-              <a:t>decimale</a:t>
-            </a:r>
-            <a:r>
-              <a:rPr lang="fr-FR" sz="1452" dirty="0">
-                <a:latin typeface="Consolas" panose="020B0609020204030204" pitchFamily="49" charset="0"/>
-              </a:rPr>
-              <a:t> par la base de destination jusqu’au le </a:t>
-            </a:r>
-            <a:r>
-              <a:rPr lang="fr-FR" sz="1452" dirty="0" err="1">
-                <a:latin typeface="Consolas" panose="020B0609020204030204" pitchFamily="49" charset="0"/>
-              </a:rPr>
-              <a:t>qoutient</a:t>
-            </a:r>
-            <a:r>
-              <a:rPr lang="fr-FR" sz="1452" dirty="0">
-                <a:latin typeface="Consolas" panose="020B0609020204030204" pitchFamily="49" charset="0"/>
-              </a:rPr>
-              <a:t> soit 0 et on prend le reste en inverse</a:t>
+              <a:t>En divisons le nombre décimale par la base de destination jusqu’au le quotient soit 0 et on prend le reste en inverse</a:t>
             </a:r>
           </a:p>
         </p:txBody>
@@ -12490,19 +12425,7 @@
               <a:rPr lang="fr-FR" sz="1452" dirty="0">
                 <a:latin typeface="Consolas" panose="020B0609020204030204" pitchFamily="49" charset="0"/>
               </a:rPr>
-              <a:t>La </a:t>
-            </a:r>
-            <a:r>
-              <a:rPr lang="fr-FR" sz="1452" dirty="0" err="1">
-                <a:latin typeface="Consolas" panose="020B0609020204030204" pitchFamily="49" charset="0"/>
-              </a:rPr>
-              <a:t>verification</a:t>
-            </a:r>
-            <a:r>
-              <a:rPr lang="fr-FR" sz="1452" dirty="0">
-                <a:latin typeface="Consolas" panose="020B0609020204030204" pitchFamily="49" charset="0"/>
-              </a:rPr>
-              <a:t> ce fait par la fonction </a:t>
+              <a:t>La vérification ce fait par la fonction </a:t>
             </a:r>
             <a:r>
               <a:rPr lang="fr-FR" sz="1452" dirty="0" err="1">
@@ -14218,51 +14141,498 @@
       </p:grpSpPr>
       <p:sp>
         <p:nvSpPr>
-          <p:cNvPr id="2" name="Title 1">
+          <p:cNvPr id="5" name="TextBox 4">
             <a:extLst>
               <a:ext uri="{FF2B5EF4-FFF2-40B4-BE49-F238E27FC236}">
-                <a16:creationId xmlns:a16="http://schemas.microsoft.com/office/drawing/2014/main" id="{85453227-FEE7-9D40-FC56-E8F37EF89AE0}"/>
+                <a16:creationId xmlns:a16="http://schemas.microsoft.com/office/drawing/2014/main" id="{7B2FB14E-CE7F-0BDD-E1A5-BC2EBF01D94F}"/>
               </a:ext>
             </a:extLst>
           </p:cNvPr>
-          <p:cNvSpPr>
-            <a:spLocks noGrp="1"/>
-          </p:cNvSpPr>
-          <p:nvPr>
-            <p:ph type="title"/>
-          </p:nvPr>
+          <p:cNvSpPr txBox="1"/>
+          <p:nvPr/>
         </p:nvSpPr>
-        <p:spPr/>
+        <p:spPr>
+          <a:xfrm>
+            <a:off x="145144" y="1824695"/>
+            <a:ext cx="6168570" cy="2616101"/>
+          </a:xfrm>
+          <a:prstGeom prst="rect">
+            <a:avLst/>
+          </a:prstGeom>
+          <a:noFill/>
+        </p:spPr>
         <p:txBody>
-          <a:bodyPr/>
+          <a:bodyPr wrap="square">
+            <a:spAutoFit/>
+          </a:bodyPr>
           <a:lstStyle/>
           <a:p>
-            <a:endParaRPr lang="fr-FR" dirty="0"/>
+            <a:r>
+              <a:rPr lang="en-US" sz="1800" dirty="0" err="1">
+                <a:effectLst/>
+                <a:latin typeface="Consolas" panose="020B0609020204030204" pitchFamily="49" charset="0"/>
+              </a:rPr>
+              <a:t>Aventages</a:t>
+            </a:r>
+            <a:r>
+              <a:rPr lang="en-US" sz="1800" dirty="0">
+                <a:effectLst/>
+                <a:latin typeface="Consolas" panose="020B0609020204030204" pitchFamily="49" charset="0"/>
+              </a:rPr>
+              <a:t>: </a:t>
+            </a:r>
+            <a:endParaRPr lang="en-US" sz="1600" dirty="0">
+              <a:effectLst/>
+            </a:endParaRPr>
+          </a:p>
+          <a:p>
+            <a:pPr>
+              <a:buFont typeface="Arial" panose="020B0604020202020204" pitchFamily="34" charset="0"/>
+              <a:buChar char="•"/>
+            </a:pPr>
+            <a:r>
+              <a:rPr lang="en-US" sz="1600" dirty="0">
+                <a:effectLst/>
+                <a:latin typeface="Consolas" panose="020B0609020204030204" pitchFamily="49" charset="0"/>
+              </a:rPr>
+              <a:t>Ce program </a:t>
+            </a:r>
+            <a:r>
+              <a:rPr lang="en-US" sz="1600" dirty="0" err="1">
+                <a:effectLst/>
+                <a:latin typeface="Consolas" panose="020B0609020204030204" pitchFamily="49" charset="0"/>
+              </a:rPr>
+              <a:t>peut</a:t>
+            </a:r>
+            <a:r>
+              <a:rPr lang="en-US" sz="1600" dirty="0">
+                <a:effectLst/>
+                <a:latin typeface="Consolas" panose="020B0609020204030204" pitchFamily="49" charset="0"/>
+              </a:rPr>
+              <a:t> faire le </a:t>
+            </a:r>
+            <a:r>
+              <a:rPr lang="en-US" sz="1600" dirty="0" err="1">
+                <a:effectLst/>
+                <a:latin typeface="Consolas" panose="020B0609020204030204" pitchFamily="49" charset="0"/>
+              </a:rPr>
+              <a:t>calcule</a:t>
+            </a:r>
+            <a:r>
+              <a:rPr lang="en-US" sz="1600" dirty="0">
+                <a:effectLst/>
+                <a:latin typeface="Consolas" panose="020B0609020204030204" pitchFamily="49" charset="0"/>
+              </a:rPr>
+              <a:t> des complement un et deux d’un </a:t>
+            </a:r>
+            <a:r>
+              <a:rPr lang="en-US" sz="1600" dirty="0" err="1">
+                <a:effectLst/>
+                <a:latin typeface="Consolas" panose="020B0609020204030204" pitchFamily="49" charset="0"/>
+              </a:rPr>
+              <a:t>nombre</a:t>
+            </a:r>
+            <a:r>
+              <a:rPr lang="en-US" sz="1600" dirty="0">
+                <a:effectLst/>
+                <a:latin typeface="Consolas" panose="020B0609020204030204" pitchFamily="49" charset="0"/>
+              </a:rPr>
+              <a:t> de base 2 -&gt; 36 </a:t>
+            </a:r>
+            <a:endParaRPr lang="en-US" sz="1600" dirty="0">
+              <a:effectLst/>
+              <a:latin typeface="ArialMT"/>
+            </a:endParaRPr>
+          </a:p>
+          <a:p>
+            <a:pPr>
+              <a:buFont typeface="Arial" panose="020B0604020202020204" pitchFamily="34" charset="0"/>
+              <a:buChar char="•"/>
+            </a:pPr>
+            <a:r>
+              <a:rPr lang="en-US" sz="1600" dirty="0" err="1">
+                <a:effectLst/>
+                <a:latin typeface="Consolas" panose="020B0609020204030204" pitchFamily="49" charset="0"/>
+              </a:rPr>
+              <a:t>Convertir</a:t>
+            </a:r>
+            <a:r>
+              <a:rPr lang="en-US" sz="1600" dirty="0">
+                <a:effectLst/>
+                <a:latin typeface="Consolas" panose="020B0609020204030204" pitchFamily="49" charset="0"/>
+              </a:rPr>
+              <a:t> </a:t>
+            </a:r>
+            <a:r>
+              <a:rPr lang="en-US" sz="1600" dirty="0" err="1">
+                <a:effectLst/>
+                <a:latin typeface="Consolas" panose="020B0609020204030204" pitchFamily="49" charset="0"/>
+              </a:rPr>
+              <a:t>d’une</a:t>
+            </a:r>
+            <a:r>
+              <a:rPr lang="en-US" sz="1600" dirty="0">
+                <a:effectLst/>
+                <a:latin typeface="Consolas" panose="020B0609020204030204" pitchFamily="49" charset="0"/>
+              </a:rPr>
+              <a:t> base </a:t>
+            </a:r>
+            <a:r>
+              <a:rPr lang="en-US" sz="1600" dirty="0" err="1">
+                <a:effectLst/>
+                <a:latin typeface="Consolas" panose="020B0609020204030204" pitchFamily="49" charset="0"/>
+              </a:rPr>
+              <a:t>quelconque</a:t>
+            </a:r>
+            <a:r>
+              <a:rPr lang="en-US" sz="1600" dirty="0">
+                <a:effectLst/>
+                <a:latin typeface="Consolas" panose="020B0609020204030204" pitchFamily="49" charset="0"/>
+              </a:rPr>
+              <a:t> au </a:t>
+            </a:r>
+            <a:r>
+              <a:rPr lang="en-US" sz="1600" dirty="0" err="1">
+                <a:effectLst/>
+                <a:latin typeface="Consolas" panose="020B0609020204030204" pitchFamily="49" charset="0"/>
+              </a:rPr>
+              <a:t>decimale</a:t>
+            </a:r>
+            <a:r>
+              <a:rPr lang="en-US" sz="1600" dirty="0">
+                <a:effectLst/>
+                <a:latin typeface="Consolas" panose="020B0609020204030204" pitchFamily="49" charset="0"/>
+              </a:rPr>
+              <a:t> </a:t>
+            </a:r>
+          </a:p>
+          <a:p>
+            <a:endParaRPr lang="en-US" sz="1600" dirty="0">
+              <a:latin typeface="Consolas" panose="020B0609020204030204" pitchFamily="49" charset="0"/>
+            </a:endParaRPr>
+          </a:p>
+          <a:p>
+            <a:r>
+              <a:rPr lang="en-US" sz="1800" dirty="0">
+                <a:effectLst/>
+                <a:latin typeface="Consolas" panose="020B0609020204030204" pitchFamily="49" charset="0"/>
+              </a:rPr>
+              <a:t>Limitations:</a:t>
+            </a:r>
+            <a:endParaRPr lang="en-US" sz="1600" dirty="0">
+              <a:effectLst/>
+              <a:latin typeface="ArialMT"/>
+            </a:endParaRPr>
+          </a:p>
+          <a:p>
+            <a:pPr>
+              <a:buFont typeface="Arial" panose="020B0604020202020204" pitchFamily="34" charset="0"/>
+              <a:buChar char="•"/>
+            </a:pPr>
+            <a:r>
+              <a:rPr lang="en-US" sz="1600" dirty="0">
+                <a:effectLst/>
+                <a:latin typeface="Consolas" panose="020B0609020204030204" pitchFamily="49" charset="0"/>
+              </a:rPr>
+              <a:t>Ce program ne </a:t>
+            </a:r>
+            <a:r>
+              <a:rPr lang="en-US" sz="1600" dirty="0" err="1">
+                <a:effectLst/>
+                <a:latin typeface="Consolas" panose="020B0609020204030204" pitchFamily="49" charset="0"/>
+              </a:rPr>
+              <a:t>peut</a:t>
+            </a:r>
+            <a:r>
+              <a:rPr lang="en-US" sz="1600" dirty="0">
+                <a:effectLst/>
+                <a:latin typeface="Consolas" panose="020B0609020204030204" pitchFamily="49" charset="0"/>
+              </a:rPr>
+              <a:t> pas faire </a:t>
+            </a:r>
+            <a:r>
+              <a:rPr lang="en-US" sz="1600" dirty="0" err="1">
+                <a:effectLst/>
+                <a:latin typeface="Consolas" panose="020B0609020204030204" pitchFamily="49" charset="0"/>
+              </a:rPr>
+              <a:t>une</a:t>
+            </a:r>
+            <a:r>
+              <a:rPr lang="en-US" sz="1600" dirty="0">
+                <a:effectLst/>
+                <a:latin typeface="Consolas" panose="020B0609020204030204" pitchFamily="49" charset="0"/>
+              </a:rPr>
+              <a:t> conversion des </a:t>
+            </a:r>
+            <a:r>
+              <a:rPr lang="en-US" sz="1600" dirty="0" err="1">
+                <a:effectLst/>
+                <a:latin typeface="Consolas" panose="020B0609020204030204" pitchFamily="49" charset="0"/>
+              </a:rPr>
+              <a:t>nombres</a:t>
+            </a:r>
+            <a:r>
+              <a:rPr lang="en-US" sz="1600" dirty="0">
+                <a:effectLst/>
+                <a:latin typeface="Consolas" panose="020B0609020204030204" pitchFamily="49" charset="0"/>
+              </a:rPr>
+              <a:t> </a:t>
+            </a:r>
+            <a:r>
+              <a:rPr lang="en-US" sz="1600" dirty="0" err="1">
+                <a:effectLst/>
+                <a:latin typeface="Consolas" panose="020B0609020204030204" pitchFamily="49" charset="0"/>
+              </a:rPr>
+              <a:t>flotants</a:t>
+            </a:r>
+            <a:r>
+              <a:rPr lang="en-US" sz="1600" dirty="0">
+                <a:effectLst/>
+                <a:latin typeface="Consolas" panose="020B0609020204030204" pitchFamily="49" charset="0"/>
+              </a:rPr>
+              <a:t> </a:t>
+            </a:r>
+            <a:endParaRPr lang="en-US" sz="1600" dirty="0">
+              <a:effectLst/>
+              <a:latin typeface="ArialMT"/>
+            </a:endParaRPr>
+          </a:p>
+          <a:p>
+            <a:pPr>
+              <a:buFont typeface="Arial" panose="020B0604020202020204" pitchFamily="34" charset="0"/>
+              <a:buChar char="•"/>
+            </a:pPr>
+            <a:r>
+              <a:rPr lang="en-US" sz="1600" dirty="0">
+                <a:effectLst/>
+                <a:latin typeface="Consolas" panose="020B0609020204030204" pitchFamily="49" charset="0"/>
+              </a:rPr>
+              <a:t>Il faut </a:t>
+            </a:r>
+            <a:r>
+              <a:rPr lang="en-US" sz="1600" dirty="0" err="1">
+                <a:effectLst/>
+                <a:latin typeface="Consolas" panose="020B0609020204030204" pitchFamily="49" charset="0"/>
+              </a:rPr>
+              <a:t>toujours</a:t>
+            </a:r>
+            <a:r>
+              <a:rPr lang="en-US" sz="1600" dirty="0">
+                <a:effectLst/>
+                <a:latin typeface="Consolas" panose="020B0609020204030204" pitchFamily="49" charset="0"/>
+              </a:rPr>
+              <a:t> enter un </a:t>
+            </a:r>
+            <a:r>
+              <a:rPr lang="en-US" sz="1600" dirty="0" err="1">
+                <a:effectLst/>
+                <a:latin typeface="Consolas" panose="020B0609020204030204" pitchFamily="49" charset="0"/>
+              </a:rPr>
+              <a:t>nombre</a:t>
+            </a:r>
+            <a:r>
+              <a:rPr lang="en-US" sz="1600" dirty="0">
+                <a:effectLst/>
+                <a:latin typeface="Consolas" panose="020B0609020204030204" pitchFamily="49" charset="0"/>
+              </a:rPr>
+              <a:t> </a:t>
+            </a:r>
+            <a:r>
+              <a:rPr lang="en-US" sz="1600" dirty="0" err="1">
+                <a:effectLst/>
+                <a:latin typeface="Consolas" panose="020B0609020204030204" pitchFamily="49" charset="0"/>
+              </a:rPr>
+              <a:t>en</a:t>
+            </a:r>
+            <a:r>
+              <a:rPr lang="en-US" sz="1600" dirty="0">
+                <a:effectLst/>
+                <a:latin typeface="Consolas" panose="020B0609020204030204" pitchFamily="49" charset="0"/>
+              </a:rPr>
+              <a:t> majuscule (</a:t>
+            </a:r>
+            <a:r>
+              <a:rPr lang="en-US" sz="1600" dirty="0" err="1">
+                <a:effectLst/>
+                <a:latin typeface="Consolas" panose="020B0609020204030204" pitchFamily="49" charset="0"/>
+              </a:rPr>
+              <a:t>cas</a:t>
+            </a:r>
+            <a:r>
+              <a:rPr lang="en-US" sz="1600" dirty="0">
+                <a:effectLst/>
+                <a:latin typeface="Consolas" panose="020B0609020204030204" pitchFamily="49" charset="0"/>
+              </a:rPr>
+              <a:t> d’un </a:t>
+            </a:r>
+            <a:r>
+              <a:rPr lang="en-US" sz="1600" dirty="0" err="1">
+                <a:effectLst/>
+                <a:latin typeface="Consolas" panose="020B0609020204030204" pitchFamily="49" charset="0"/>
+              </a:rPr>
+              <a:t>nombre</a:t>
+            </a:r>
+            <a:r>
+              <a:rPr lang="en-US" sz="1600" dirty="0">
+                <a:effectLst/>
+                <a:latin typeface="Consolas" panose="020B0609020204030204" pitchFamily="49" charset="0"/>
+              </a:rPr>
+              <a:t> qui </a:t>
+            </a:r>
+            <a:r>
+              <a:rPr lang="en-US" sz="1600" dirty="0" err="1">
+                <a:effectLst/>
+                <a:latin typeface="Consolas" panose="020B0609020204030204" pitchFamily="49" charset="0"/>
+              </a:rPr>
+              <a:t>contient</a:t>
+            </a:r>
+            <a:r>
+              <a:rPr lang="en-US" sz="1600" dirty="0">
+                <a:effectLst/>
+                <a:latin typeface="Consolas" panose="020B0609020204030204" pitchFamily="49" charset="0"/>
+              </a:rPr>
+              <a:t> des </a:t>
+            </a:r>
+            <a:r>
+              <a:rPr lang="en-US" sz="1600" dirty="0" err="1">
+                <a:effectLst/>
+                <a:latin typeface="Consolas" panose="020B0609020204030204" pitchFamily="49" charset="0"/>
+              </a:rPr>
+              <a:t>lettres</a:t>
+            </a:r>
+            <a:r>
+              <a:rPr lang="en-US" sz="1600" dirty="0">
+                <a:effectLst/>
+                <a:latin typeface="Consolas" panose="020B0609020204030204" pitchFamily="49" charset="0"/>
+              </a:rPr>
+              <a:t>) </a:t>
+            </a:r>
+            <a:endParaRPr lang="en-US" sz="1600" dirty="0">
+              <a:effectLst/>
+              <a:latin typeface="ArialMT"/>
+            </a:endParaRPr>
           </a:p>
         </p:txBody>
       </p:sp>
       <p:sp>
         <p:nvSpPr>
-          <p:cNvPr id="3" name="Content Placeholder 2">
+          <p:cNvPr id="6" name="Rectangle 5">
             <a:extLst>
               <a:ext uri="{FF2B5EF4-FFF2-40B4-BE49-F238E27FC236}">
-                <a16:creationId xmlns:a16="http://schemas.microsoft.com/office/drawing/2014/main" id="{30CA2A3E-AC2A-B648-DBA5-1E21F7A0479A}"/>
+                <a16:creationId xmlns:a16="http://schemas.microsoft.com/office/drawing/2014/main" id="{6ADA4A1D-EEBC-967C-27DC-2E709D1470FD}"/>
               </a:ext>
             </a:extLst>
           </p:cNvPr>
-          <p:cNvSpPr>
-            <a:spLocks noGrp="1"/>
-          </p:cNvSpPr>
-          <p:nvPr>
-            <p:ph idx="1"/>
-          </p:nvPr>
+          <p:cNvSpPr/>
+          <p:nvPr/>
         </p:nvSpPr>
-        <p:spPr/>
+        <p:spPr>
+          <a:xfrm>
+            <a:off x="671377" y="472752"/>
+            <a:ext cx="3129333" cy="750629"/>
+          </a:xfrm>
+          <a:prstGeom prst="rect">
+            <a:avLst/>
+          </a:prstGeom>
+        </p:spPr>
+        <p:style>
+          <a:lnRef idx="1">
+            <a:schemeClr val="accent6"/>
+          </a:lnRef>
+          <a:fillRef idx="3">
+            <a:schemeClr val="accent6"/>
+          </a:fillRef>
+          <a:effectRef idx="2">
+            <a:schemeClr val="accent6"/>
+          </a:effectRef>
+          <a:fontRef idx="minor">
+            <a:schemeClr val="lt1"/>
+          </a:fontRef>
+        </p:style>
         <p:txBody>
-          <a:bodyPr/>
+          <a:bodyPr rtlCol="0" anchor="ctr"/>
           <a:lstStyle/>
           <a:p>
-            <a:endParaRPr lang="fr-FR"/>
+            <a:r>
+              <a:rPr lang="fr-FR" sz="2903" dirty="0">
+                <a:solidFill>
+                  <a:schemeClr val="bg1"/>
+                </a:solidFill>
+                <a:latin typeface="Consolas" panose="020B0609020204030204" pitchFamily="49" charset="0"/>
+              </a:rPr>
+              <a:t>Conclusion</a:t>
+            </a:r>
+            <a:endParaRPr lang="fr-FR" sz="1452" dirty="0"/>
+          </a:p>
+        </p:txBody>
+      </p:sp>
+      <p:sp>
+        <p:nvSpPr>
+          <p:cNvPr id="7" name="Rectangle 6">
+            <a:extLst>
+              <a:ext uri="{FF2B5EF4-FFF2-40B4-BE49-F238E27FC236}">
+                <a16:creationId xmlns:a16="http://schemas.microsoft.com/office/drawing/2014/main" id="{716E7295-CDAA-0F77-4A90-27A0F26CD5C0}"/>
+              </a:ext>
+            </a:extLst>
+          </p:cNvPr>
+          <p:cNvSpPr/>
+          <p:nvPr/>
+        </p:nvSpPr>
+        <p:spPr>
+          <a:xfrm>
+            <a:off x="3118468" y="567057"/>
+            <a:ext cx="2567018" cy="598641"/>
+          </a:xfrm>
+          <a:prstGeom prst="rect">
+            <a:avLst/>
+          </a:prstGeom>
+          <a:solidFill>
+            <a:schemeClr val="tx1">
+              <a:lumMod val="75000"/>
+              <a:lumOff val="25000"/>
+            </a:schemeClr>
+          </a:solidFill>
+          <a:ln>
+            <a:noFill/>
+          </a:ln>
+          <a:effectLst>
+            <a:outerShdw blurRad="50800" dist="38100" dir="2700000" algn="tl" rotWithShape="0">
+              <a:prstClr val="black">
+                <a:alpha val="40000"/>
+              </a:prstClr>
+            </a:outerShdw>
+          </a:effectLst>
+        </p:spPr>
+        <p:style>
+          <a:lnRef idx="2">
+            <a:schemeClr val="accent5">
+              <a:shade val="50000"/>
+            </a:schemeClr>
+          </a:lnRef>
+          <a:fillRef idx="1">
+            <a:schemeClr val="accent5"/>
+          </a:fillRef>
+          <a:effectRef idx="0">
+            <a:schemeClr val="accent5"/>
+          </a:effectRef>
+          <a:fontRef idx="minor">
+            <a:schemeClr val="lt1"/>
+          </a:fontRef>
+        </p:style>
+        <p:txBody>
+          <a:bodyPr rtlCol="0" anchor="ctr"/>
+          <a:lstStyle/>
+          <a:p>
+            <a:pPr algn="ctr"/>
+            <a:r>
+              <a:rPr lang="fr-FR" sz="1452" dirty="0">
+                <a:solidFill>
+                  <a:schemeClr val="bg1"/>
+                </a:solidFill>
+                <a:latin typeface="Consolas" panose="020B0609020204030204" pitchFamily="49" charset="0"/>
+              </a:rPr>
+              <a:t>Convertisseur de base</a:t>
+            </a:r>
           </a:p>
         </p:txBody>
       </p:sp>
